--- a/docs/acm.pptx
+++ b/docs/acm.pptx
@@ -5,11 +5,13 @@
     <p:sldMasterId id="2147483935" r:id="rId4"/>
   </p:sldMasterIdLst>
   <p:notesMasterIdLst>
-    <p:notesMasterId r:id="rId7"/>
+    <p:notesMasterId r:id="rId9"/>
   </p:notesMasterIdLst>
   <p:sldIdLst>
     <p:sldId id="362" r:id="rId5"/>
     <p:sldId id="363" r:id="rId6"/>
+    <p:sldId id="364" r:id="rId7"/>
+    <p:sldId id="365" r:id="rId8"/>
   </p:sldIdLst>
   <p:sldSz cx="12192000" cy="6858000"/>
   <p:notesSz cx="7010400" cy="9296400"/>
@@ -253,7 +255,7 @@
           <a:p>
             <a:fld id="{CCE18C67-FDED-7841-8480-BCDB5F03DF7A}" type="datetimeFigureOut">
               <a:rPr lang="en-US" smtClean="0"/>
-              <a:t>9/21/17</a:t>
+              <a:t>9/22/17</a:t>
             </a:fld>
             <a:endParaRPr lang="en-US" dirty="0"/>
           </a:p>
@@ -2391,11 +2393,6 @@
               </a:rPr>
               <a:t>Standard Static Source Files</a:t>
             </a:r>
-            <a:endParaRPr lang="en-US" sz="1200" dirty="0" smtClean="0">
-              <a:solidFill>
-                <a:schemeClr val="tx1"/>
-              </a:solidFill>
-            </a:endParaRPr>
           </a:p>
         </p:txBody>
       </p:sp>
@@ -2486,11 +2483,6 @@
               </a:rPr>
               <a:t>(e.g., J2735)</a:t>
             </a:r>
-            <a:endParaRPr lang="en-US" sz="1200" dirty="0" smtClean="0">
-              <a:solidFill>
-                <a:schemeClr val="tx1"/>
-              </a:solidFill>
-            </a:endParaRPr>
           </a:p>
         </p:txBody>
       </p:sp>
@@ -2924,11 +2916,6 @@
                 </a:rPr>
                 <a:t>(write to alternative form, e.g., XML)</a:t>
               </a:r>
-              <a:endParaRPr lang="en-US" sz="1200" dirty="0" smtClean="0">
-                <a:solidFill>
-                  <a:schemeClr val="tx1"/>
-                </a:solidFill>
-              </a:endParaRPr>
             </a:p>
           </p:txBody>
         </p:sp>
@@ -3712,7 +3699,6 @@
               <a:rPr lang="en-US" dirty="0" smtClean="0"/>
               <a:t>Applications / Executables</a:t>
             </a:r>
-            <a:endParaRPr lang="en-US" dirty="0" smtClean="0"/>
           </a:p>
         </p:txBody>
       </p:sp>
@@ -4092,11 +4078,6 @@
               </a:rPr>
               <a:t>Standard Static Source Files</a:t>
             </a:r>
-            <a:endParaRPr lang="en-US" sz="1200" dirty="0" smtClean="0">
-              <a:solidFill>
-                <a:schemeClr val="tx1"/>
-              </a:solidFill>
-            </a:endParaRPr>
           </a:p>
         </p:txBody>
       </p:sp>
@@ -4187,11 +4168,6 @@
               </a:rPr>
               <a:t>(e.g., J2735)</a:t>
             </a:r>
-            <a:endParaRPr lang="en-US" sz="1200" dirty="0" smtClean="0">
-              <a:solidFill>
-                <a:schemeClr val="tx1"/>
-              </a:solidFill>
-            </a:endParaRPr>
           </a:p>
         </p:txBody>
       </p:sp>
@@ -4671,13 +4647,6 @@
                 </a:rPr>
                 <a:t>(write to alternative form, e.g., XML)</a:t>
               </a:r>
-              <a:endParaRPr lang="en-US" sz="1200" dirty="0" smtClean="0">
-                <a:solidFill>
-                  <a:schemeClr val="bg2">
-                    <a:lumMod val="75000"/>
-                  </a:schemeClr>
-                </a:solidFill>
-              </a:endParaRPr>
             </a:p>
           </p:txBody>
         </p:sp>
@@ -5216,11 +5185,6 @@
               </a:rPr>
               <a:t>(library)</a:t>
             </a:r>
-            <a:endParaRPr lang="en-US" sz="1200" dirty="0" smtClean="0">
-              <a:solidFill>
-                <a:schemeClr val="tx1"/>
-              </a:solidFill>
-            </a:endParaRPr>
           </a:p>
         </p:txBody>
       </p:sp>
@@ -5352,11 +5316,6 @@
               </a:rPr>
               <a:t>(specific for now, e.g., J2735)</a:t>
             </a:r>
-            <a:endParaRPr lang="en-US" sz="1200" dirty="0" smtClean="0">
-              <a:solidFill>
-                <a:schemeClr val="bg1"/>
-              </a:solidFill>
-            </a:endParaRPr>
           </a:p>
         </p:txBody>
       </p:sp>
@@ -5690,11 +5649,6 @@
               </a:rPr>
               <a:t>(logging, testing)</a:t>
             </a:r>
-            <a:endParaRPr lang="en-US" sz="1200" dirty="0" smtClean="0">
-              <a:solidFill>
-                <a:schemeClr val="tx1"/>
-              </a:solidFill>
-            </a:endParaRPr>
           </a:p>
         </p:txBody>
       </p:sp>
@@ -5830,11 +5784,6 @@
                 </a:rPr>
                 <a:t>Module</a:t>
               </a:r>
-              <a:endParaRPr lang="en-US" sz="1200" dirty="0" smtClean="0">
-                <a:solidFill>
-                  <a:schemeClr val="tx1"/>
-                </a:solidFill>
-              </a:endParaRPr>
             </a:p>
           </p:txBody>
         </p:sp>
@@ -5905,11 +5854,6 @@
                 </a:rPr>
                 <a:t>Decoder</a:t>
               </a:r>
-              <a:endParaRPr lang="en-US" sz="1200" dirty="0" smtClean="0">
-                <a:solidFill>
-                  <a:schemeClr val="tx1"/>
-                </a:solidFill>
-              </a:endParaRPr>
             </a:p>
           </p:txBody>
         </p:sp>
@@ -6106,11 +6050,6 @@
               </a:rPr>
               <a:t>(ODE)</a:t>
             </a:r>
-            <a:endParaRPr lang="en-US" sz="1200" dirty="0" smtClean="0">
-              <a:solidFill>
-                <a:schemeClr val="tx1"/>
-              </a:solidFill>
-            </a:endParaRPr>
           </a:p>
         </p:txBody>
       </p:sp>
@@ -6913,6 +6852,353 @@
     <p:extLst>
       <p:ext uri="{BB962C8B-B14F-4D97-AF65-F5344CB8AC3E}">
         <p14:creationId xmlns:p14="http://schemas.microsoft.com/office/powerpoint/2010/main" val="165016739"/>
+      </p:ext>
+    </p:extLst>
+  </p:cSld>
+  <p:clrMapOvr>
+    <a:masterClrMapping/>
+  </p:clrMapOvr>
+</p:sld>
+</file>
+
+<file path=ppt/slides/slide3.xml><?xml version="1.0" encoding="utf-8"?>
+<p:sld xmlns:a="http://schemas.openxmlformats.org/drawingml/2006/main" xmlns:r="http://schemas.openxmlformats.org/officeDocument/2006/relationships" xmlns:p="http://schemas.openxmlformats.org/presentationml/2006/main">
+  <p:cSld>
+    <p:spTree>
+      <p:nvGrpSpPr>
+        <p:cNvPr id="1" name=""/>
+        <p:cNvGrpSpPr/>
+        <p:nvPr/>
+      </p:nvGrpSpPr>
+      <p:grpSpPr>
+        <a:xfrm>
+          <a:off x="0" y="0"/>
+          <a:ext cx="0" cy="0"/>
+          <a:chOff x="0" y="0"/>
+          <a:chExt cx="0" cy="0"/>
+        </a:xfrm>
+      </p:grpSpPr>
+      <p:sp>
+        <p:nvSpPr>
+          <p:cNvPr id="7" name="Title 6"/>
+          <p:cNvSpPr>
+            <a:spLocks noGrp="1"/>
+          </p:cNvSpPr>
+          <p:nvPr>
+            <p:ph type="title"/>
+          </p:nvPr>
+        </p:nvSpPr>
+        <p:spPr/>
+        <p:txBody>
+          <a:bodyPr/>
+          <a:lstStyle/>
+          <a:p>
+            <a:r>
+              <a:rPr lang="en-US" dirty="0" smtClean="0"/>
+              <a:t>ASN.1 Module Design Questions</a:t>
+            </a:r>
+            <a:endParaRPr lang="en-US" dirty="0"/>
+          </a:p>
+        </p:txBody>
+      </p:sp>
+      <p:sp>
+        <p:nvSpPr>
+          <p:cNvPr id="8" name="Content Placeholder 7"/>
+          <p:cNvSpPr>
+            <a:spLocks noGrp="1"/>
+          </p:cNvSpPr>
+          <p:nvPr>
+            <p:ph idx="1"/>
+          </p:nvPr>
+        </p:nvSpPr>
+        <p:spPr>
+          <a:xfrm>
+            <a:off x="268224" y="986186"/>
+            <a:ext cx="11523520" cy="5457144"/>
+          </a:xfrm>
+        </p:spPr>
+        <p:txBody>
+          <a:bodyPr/>
+          <a:lstStyle/>
+          <a:p>
+            <a:pPr marL="514350" indent="-514350">
+              <a:buFont typeface="+mj-lt"/>
+              <a:buAutoNum type="arabicPeriod"/>
+            </a:pPr>
+            <a:r>
+              <a:rPr lang="en-US" sz="1800" dirty="0" smtClean="0"/>
+              <a:t>Should we assume each record in a </a:t>
+            </a:r>
+            <a:r>
+              <a:rPr lang="en-US" sz="1800" dirty="0"/>
+              <a:t>K</a:t>
+            </a:r>
+            <a:r>
+              <a:rPr lang="en-US" sz="1800" dirty="0" smtClean="0"/>
+              <a:t>afka topic is one or more COMPLETE messages (ASN.1 or otherwise)?</a:t>
+            </a:r>
+          </a:p>
+          <a:p>
+            <a:pPr marL="908050" lvl="1" indent="-390525">
+              <a:buFont typeface="Arial" charset="0"/>
+              <a:buChar char="•"/>
+            </a:pPr>
+            <a:r>
+              <a:rPr lang="en-US" sz="1600" dirty="0" smtClean="0"/>
+              <a:t>Composition of binary messages is NOT needed.</a:t>
+            </a:r>
+          </a:p>
+          <a:p>
+            <a:pPr marL="908050" lvl="1" indent="-390525">
+              <a:buFont typeface="Arial" charset="0"/>
+              <a:buChar char="•"/>
+            </a:pPr>
+            <a:r>
+              <a:rPr lang="en-US" sz="1600" dirty="0" smtClean="0"/>
+              <a:t>If errors / partial messages are encountered message is ignored.</a:t>
+            </a:r>
+          </a:p>
+          <a:p>
+            <a:pPr marL="517525" indent="-508000">
+              <a:buFont typeface="+mj-lt"/>
+              <a:buAutoNum type="arabicPeriod"/>
+            </a:pPr>
+            <a:r>
+              <a:rPr lang="en-US" sz="1800" dirty="0"/>
+              <a:t>Will the capabilities of the module be selected at compile time? </a:t>
+            </a:r>
+            <a:r>
+              <a:rPr lang="en-US" sz="1800" dirty="0" smtClean="0"/>
+              <a:t/>
+            </a:r>
+            <a:br>
+              <a:rPr lang="en-US" sz="1800" dirty="0" smtClean="0"/>
+            </a:br>
+            <a:r>
+              <a:rPr lang="en-US" sz="1800" dirty="0" smtClean="0"/>
+              <a:t>Or</a:t>
+            </a:r>
+            <a:r>
+              <a:rPr lang="en-US" sz="1800" dirty="0"/>
+              <a:t>, should the capabilities of the module be selectable at </a:t>
+            </a:r>
+            <a:r>
+              <a:rPr lang="en-US" sz="1800" dirty="0" smtClean="0"/>
+              <a:t>run-time?</a:t>
+            </a:r>
+            <a:br>
+              <a:rPr lang="en-US" sz="1800" dirty="0" smtClean="0"/>
+            </a:br>
+            <a:r>
+              <a:rPr lang="en-US" sz="1800" dirty="0" smtClean="0"/>
+              <a:t>Or</a:t>
+            </a:r>
+            <a:r>
+              <a:rPr lang="en-US" sz="1800" dirty="0"/>
+              <a:t>, should the capabilities of the module be selectable during </a:t>
+            </a:r>
+            <a:r>
+              <a:rPr lang="en-US" sz="1800" dirty="0" smtClean="0"/>
+              <a:t>operation (Q3 below)?</a:t>
+            </a:r>
+            <a:endParaRPr lang="en-US" sz="1800" dirty="0"/>
+          </a:p>
+          <a:p>
+            <a:pPr marL="908050" lvl="1" indent="-390525">
+              <a:buFont typeface="Arial" charset="0"/>
+              <a:buChar char="•"/>
+            </a:pPr>
+            <a:r>
+              <a:rPr lang="en-US" sz="1600" dirty="0"/>
+              <a:t>We compiled a library and then a module to handle J2735 ASN.1 as input and J2735 XML as output.  That is all it does.</a:t>
+            </a:r>
+          </a:p>
+          <a:p>
+            <a:pPr marL="514350" indent="-514350">
+              <a:buFont typeface="+mj-lt"/>
+              <a:buAutoNum type="arabicPeriod"/>
+            </a:pPr>
+            <a:r>
+              <a:rPr lang="en-US" sz="1800" dirty="0" smtClean="0"/>
+              <a:t>Will the module’s input / output be a data record (ASN.1 binary, XML, JSON) ONLY or will it also contain metadata?</a:t>
+            </a:r>
+          </a:p>
+          <a:p>
+            <a:pPr marL="908050" lvl="1" indent="-390525">
+              <a:buFont typeface="Arial" charset="0"/>
+              <a:buChar char="•"/>
+            </a:pPr>
+            <a:r>
+              <a:rPr lang="en-US" sz="1600" dirty="0"/>
+              <a:t>Metadata could be used to have selectable input / output encoding/decoding.</a:t>
+            </a:r>
+          </a:p>
+          <a:p>
+            <a:pPr marL="908050" lvl="1" indent="-390525">
+              <a:buFont typeface="Arial" charset="0"/>
+              <a:buChar char="•"/>
+            </a:pPr>
+            <a:r>
+              <a:rPr lang="en-US" sz="1600" dirty="0"/>
+              <a:t>Good: One flexible tool / </a:t>
+            </a:r>
+            <a:r>
+              <a:rPr lang="en-US" sz="1600" dirty="0" smtClean="0"/>
+              <a:t>module. Give me stuff and the module figures out how to encode / decode and route it.</a:t>
+            </a:r>
+            <a:endParaRPr lang="en-US" sz="1600" dirty="0"/>
+          </a:p>
+          <a:p>
+            <a:pPr marL="908050" lvl="1" indent="-390525">
+              <a:buFont typeface="Arial" charset="0"/>
+              <a:buChar char="•"/>
+            </a:pPr>
+            <a:r>
+              <a:rPr lang="en-US" sz="1600" dirty="0"/>
+              <a:t>Bad: More complex module + addition of metadata</a:t>
+            </a:r>
+          </a:p>
+          <a:p>
+            <a:pPr marL="514350" indent="-514350">
+              <a:buFont typeface="+mj-lt"/>
+              <a:buAutoNum type="arabicPeriod"/>
+            </a:pPr>
+            <a:r>
+              <a:rPr lang="en-US" sz="1800" dirty="0" smtClean="0"/>
+              <a:t>Should we build a JSON encoder / decoder into the ASN.1 compiler / generator?</a:t>
+            </a:r>
+          </a:p>
+          <a:p>
+            <a:pPr marL="908050" lvl="1" indent="-390525">
+              <a:buFont typeface="Arial" charset="0"/>
+              <a:buChar char="•"/>
+            </a:pPr>
+            <a:r>
+              <a:rPr lang="en-US" sz="1600" dirty="0"/>
+              <a:t>Good: Avoid another encoding / decoding step, e.g., XML to JSON or JSON to XML.</a:t>
+            </a:r>
+          </a:p>
+          <a:p>
+            <a:pPr marL="908050" lvl="1" indent="-390525">
+              <a:buFont typeface="Arial" charset="0"/>
+              <a:buChar char="•"/>
+            </a:pPr>
+            <a:r>
+              <a:rPr lang="en-US" sz="1600" dirty="0"/>
+              <a:t>Bad: More in-depth coupling with open source ASN.1 compiler - generator code</a:t>
+            </a:r>
+            <a:r>
+              <a:rPr lang="en-US" sz="1600" dirty="0"/>
+              <a:t>.</a:t>
+            </a:r>
+          </a:p>
+          <a:p>
+            <a:pPr marL="514350" indent="-514350">
+              <a:buFont typeface="+mj-lt"/>
+              <a:buAutoNum type="arabicPeriod"/>
+            </a:pPr>
+            <a:endParaRPr lang="en-US" sz="1800" dirty="0" smtClean="0"/>
+          </a:p>
+          <a:p>
+            <a:pPr marL="909637" lvl="1" indent="-514350">
+              <a:buFont typeface="+mj-lt"/>
+              <a:buAutoNum type="arabicPeriod"/>
+            </a:pPr>
+            <a:endParaRPr lang="en-US" sz="1600" dirty="0" smtClean="0"/>
+          </a:p>
+          <a:p>
+            <a:pPr marL="514350" indent="-514350">
+              <a:buFont typeface="+mj-lt"/>
+              <a:buAutoNum type="arabicPeriod"/>
+            </a:pPr>
+            <a:endParaRPr lang="en-US" sz="1800" dirty="0"/>
+          </a:p>
+        </p:txBody>
+      </p:sp>
+    </p:spTree>
+    <p:extLst>
+      <p:ext uri="{BB962C8B-B14F-4D97-AF65-F5344CB8AC3E}">
+        <p14:creationId xmlns:p14="http://schemas.microsoft.com/office/powerpoint/2010/main" val="1359616498"/>
+      </p:ext>
+    </p:extLst>
+  </p:cSld>
+  <p:clrMapOvr>
+    <a:masterClrMapping/>
+  </p:clrMapOvr>
+</p:sld>
+</file>
+
+<file path=ppt/slides/slide4.xml><?xml version="1.0" encoding="utf-8"?>
+<p:sld xmlns:a="http://schemas.openxmlformats.org/drawingml/2006/main" xmlns:r="http://schemas.openxmlformats.org/officeDocument/2006/relationships" xmlns:p="http://schemas.openxmlformats.org/presentationml/2006/main">
+  <p:cSld>
+    <p:spTree>
+      <p:nvGrpSpPr>
+        <p:cNvPr id="1" name=""/>
+        <p:cNvGrpSpPr/>
+        <p:nvPr/>
+      </p:nvGrpSpPr>
+      <p:grpSpPr>
+        <a:xfrm>
+          <a:off x="0" y="0"/>
+          <a:ext cx="0" cy="0"/>
+          <a:chOff x="0" y="0"/>
+          <a:chExt cx="0" cy="0"/>
+        </a:xfrm>
+      </p:grpSpPr>
+      <p:sp>
+        <p:nvSpPr>
+          <p:cNvPr id="7" name="Title 6"/>
+          <p:cNvSpPr>
+            <a:spLocks noGrp="1"/>
+          </p:cNvSpPr>
+          <p:nvPr>
+            <p:ph type="title"/>
+          </p:nvPr>
+        </p:nvSpPr>
+        <p:spPr/>
+        <p:txBody>
+          <a:bodyPr/>
+          <a:lstStyle/>
+          <a:p>
+            <a:r>
+              <a:rPr lang="en-US" dirty="0" smtClean="0"/>
+              <a:t>ASN.1 Module Testing / Dev Questions</a:t>
+            </a:r>
+            <a:endParaRPr lang="en-US" dirty="0"/>
+          </a:p>
+        </p:txBody>
+      </p:sp>
+      <p:sp>
+        <p:nvSpPr>
+          <p:cNvPr id="8" name="Content Placeholder 7"/>
+          <p:cNvSpPr>
+            <a:spLocks noGrp="1"/>
+          </p:cNvSpPr>
+          <p:nvPr>
+            <p:ph idx="1"/>
+          </p:nvPr>
+        </p:nvSpPr>
+        <p:spPr/>
+        <p:txBody>
+          <a:bodyPr/>
+          <a:lstStyle/>
+          <a:p>
+            <a:pPr marL="514350" indent="-514350">
+              <a:buFont typeface="+mj-lt"/>
+              <a:buAutoNum type="arabicPeriod"/>
+            </a:pPr>
+            <a:r>
+              <a:rPr lang="en-US" dirty="0" smtClean="0"/>
+              <a:t>If a Kafka record is 2 or more messages, will those be faithfully be represented in the output encoding?</a:t>
+            </a:r>
+            <a:endParaRPr lang="en-US" dirty="0"/>
+          </a:p>
+        </p:txBody>
+      </p:sp>
+    </p:spTree>
+    <p:extLst>
+      <p:ext uri="{BB962C8B-B14F-4D97-AF65-F5344CB8AC3E}">
+        <p14:creationId xmlns:p14="http://schemas.microsoft.com/office/powerpoint/2010/main" val="290544236"/>
       </p:ext>
     </p:extLst>
   </p:cSld>

--- a/docs/acm.pptx
+++ b/docs/acm.pptx
@@ -5,13 +5,15 @@
     <p:sldMasterId id="2147483935" r:id="rId4"/>
   </p:sldMasterIdLst>
   <p:notesMasterIdLst>
-    <p:notesMasterId r:id="rId9"/>
+    <p:notesMasterId r:id="rId11"/>
   </p:notesMasterIdLst>
   <p:sldIdLst>
     <p:sldId id="362" r:id="rId5"/>
     <p:sldId id="363" r:id="rId6"/>
-    <p:sldId id="364" r:id="rId7"/>
-    <p:sldId id="365" r:id="rId8"/>
+    <p:sldId id="366" r:id="rId7"/>
+    <p:sldId id="367" r:id="rId8"/>
+    <p:sldId id="364" r:id="rId9"/>
+    <p:sldId id="365" r:id="rId10"/>
   </p:sldIdLst>
   <p:sldSz cx="12192000" cy="6858000"/>
   <p:notesSz cx="7010400" cy="9296400"/>
@@ -255,7 +257,7 @@
           <a:p>
             <a:fld id="{CCE18C67-FDED-7841-8480-BCDB5F03DF7A}" type="datetimeFigureOut">
               <a:rPr lang="en-US" smtClean="0"/>
-              <a:t>9/22/17</a:t>
+              <a:t>10/13/17</a:t>
             </a:fld>
             <a:endParaRPr lang="en-US" dirty="0"/>
           </a:p>
@@ -6880,6 +6882,1895 @@
       </p:grpSpPr>
       <p:sp>
         <p:nvSpPr>
+          <p:cNvPr id="7" name="Rectangle 6"/>
+          <p:cNvSpPr/>
+          <p:nvPr/>
+        </p:nvSpPr>
+        <p:spPr>
+          <a:xfrm>
+            <a:off x="969810" y="620055"/>
+            <a:ext cx="1624532" cy="974720"/>
+          </a:xfrm>
+          <a:prstGeom prst="rect">
+            <a:avLst/>
+          </a:prstGeom>
+          <a:solidFill>
+            <a:schemeClr val="accent5">
+              <a:lumMod val="40000"/>
+              <a:lumOff val="60000"/>
+            </a:schemeClr>
+          </a:solidFill>
+          <a:ln w="19050">
+            <a:solidFill>
+              <a:schemeClr val="tx1"/>
+            </a:solidFill>
+          </a:ln>
+          <a:effectLst/>
+          <a:scene3d>
+            <a:camera prst="orthographicFront">
+              <a:rot lat="0" lon="0" rev="0"/>
+            </a:camera>
+            <a:lightRig rig="threePt" dir="t">
+              <a:rot lat="0" lon="0" rev="1200000"/>
+            </a:lightRig>
+          </a:scene3d>
+          <a:sp3d/>
+        </p:spPr>
+        <p:style>
+          <a:lnRef idx="0">
+            <a:schemeClr val="accent1"/>
+          </a:lnRef>
+          <a:fillRef idx="3">
+            <a:schemeClr val="accent1"/>
+          </a:fillRef>
+          <a:effectRef idx="3">
+            <a:schemeClr val="accent1"/>
+          </a:effectRef>
+          <a:fontRef idx="minor">
+            <a:schemeClr val="lt1"/>
+          </a:fontRef>
+        </p:style>
+        <p:txBody>
+          <a:bodyPr rot="0" spcFirstLastPara="0" vertOverflow="overflow" horzOverflow="overflow" vert="horz" wrap="square" lIns="45720" tIns="45720" rIns="45720" bIns="45720" numCol="1" spcCol="0" rtlCol="0" fromWordArt="0" anchor="t" anchorCtr="0" forceAA="0" compatLnSpc="1">
+            <a:prstTxWarp prst="textNoShape">
+              <a:avLst/>
+            </a:prstTxWarp>
+            <a:noAutofit/>
+          </a:bodyPr>
+          <a:lstStyle/>
+          <a:p>
+            <a:pPr>
+              <a:lnSpc>
+                <a:spcPct val="90000"/>
+              </a:lnSpc>
+            </a:pPr>
+            <a:r>
+              <a:rPr lang="en-US" sz="1200" dirty="0" smtClean="0">
+                <a:solidFill>
+                  <a:schemeClr val="tx1"/>
+                </a:solidFill>
+              </a:rPr>
+              <a:t>Messages</a:t>
+            </a:r>
+          </a:p>
+          <a:p>
+            <a:pPr marL="171450" indent="-171450">
+              <a:lnSpc>
+                <a:spcPct val="90000"/>
+              </a:lnSpc>
+              <a:buFont typeface="Arial" charset="0"/>
+              <a:buChar char="•"/>
+            </a:pPr>
+            <a:r>
+              <a:rPr lang="en-US" sz="1200" dirty="0" smtClean="0">
+                <a:solidFill>
+                  <a:schemeClr val="tx1"/>
+                </a:solidFill>
+              </a:rPr>
+              <a:t>Binary</a:t>
+            </a:r>
+            <a:r>
+              <a:rPr lang="en-US" sz="1200" dirty="0">
+                <a:solidFill>
+                  <a:schemeClr val="tx1"/>
+                </a:solidFill>
+              </a:rPr>
+              <a:t> </a:t>
+            </a:r>
+            <a:r>
+              <a:rPr lang="en-US" sz="1200" dirty="0" smtClean="0">
+                <a:solidFill>
+                  <a:schemeClr val="tx1"/>
+                </a:solidFill>
+              </a:rPr>
+              <a:t>(ASN.1)</a:t>
+            </a:r>
+          </a:p>
+          <a:p>
+            <a:pPr marL="171450" indent="-171450">
+              <a:lnSpc>
+                <a:spcPct val="90000"/>
+              </a:lnSpc>
+              <a:buFont typeface="Arial" charset="0"/>
+              <a:buChar char="•"/>
+            </a:pPr>
+            <a:r>
+              <a:rPr lang="en-US" sz="1200" dirty="0" smtClean="0">
+                <a:solidFill>
+                  <a:schemeClr val="tx1"/>
+                </a:solidFill>
+              </a:rPr>
+              <a:t>Other (XML)</a:t>
+            </a:r>
+          </a:p>
+        </p:txBody>
+      </p:sp>
+      <p:grpSp>
+        <p:nvGrpSpPr>
+          <p:cNvPr id="8" name="Group 7"/>
+          <p:cNvGrpSpPr/>
+          <p:nvPr/>
+        </p:nvGrpSpPr>
+        <p:grpSpPr>
+          <a:xfrm>
+            <a:off x="1986886" y="2388745"/>
+            <a:ext cx="3106107" cy="1768585"/>
+            <a:chOff x="4221126" y="2402064"/>
+            <a:chExt cx="2541181" cy="1446922"/>
+          </a:xfrm>
+          <a:solidFill>
+            <a:schemeClr val="accent2">
+              <a:lumMod val="40000"/>
+              <a:lumOff val="60000"/>
+            </a:schemeClr>
+          </a:solidFill>
+        </p:grpSpPr>
+        <p:sp>
+          <p:nvSpPr>
+            <p:cNvPr id="9" name="Rectangle 8"/>
+            <p:cNvSpPr/>
+            <p:nvPr/>
+          </p:nvSpPr>
+          <p:spPr>
+            <a:xfrm>
+              <a:off x="4221126" y="2411811"/>
+              <a:ext cx="803601" cy="1437175"/>
+            </a:xfrm>
+            <a:prstGeom prst="rect">
+              <a:avLst/>
+            </a:prstGeom>
+            <a:grpFill/>
+            <a:ln w="19050">
+              <a:solidFill>
+                <a:schemeClr val="tx1"/>
+              </a:solidFill>
+            </a:ln>
+            <a:effectLst/>
+            <a:scene3d>
+              <a:camera prst="orthographicFront">
+                <a:rot lat="0" lon="0" rev="0"/>
+              </a:camera>
+              <a:lightRig rig="threePt" dir="t">
+                <a:rot lat="0" lon="0" rev="1200000"/>
+              </a:lightRig>
+            </a:scene3d>
+            <a:sp3d/>
+          </p:spPr>
+          <p:style>
+            <a:lnRef idx="0">
+              <a:schemeClr val="accent1"/>
+            </a:lnRef>
+            <a:fillRef idx="3">
+              <a:schemeClr val="accent1"/>
+            </a:fillRef>
+            <a:effectRef idx="3">
+              <a:schemeClr val="accent1"/>
+            </a:effectRef>
+            <a:fontRef idx="minor">
+              <a:schemeClr val="lt1"/>
+            </a:fontRef>
+          </p:style>
+          <p:txBody>
+            <a:bodyPr rot="0" spcFirstLastPara="0" vertOverflow="overflow" horzOverflow="overflow" vert="horz" wrap="square" lIns="45720" tIns="45720" rIns="45720" bIns="45720" numCol="1" spcCol="0" rtlCol="0" fromWordArt="0" anchor="b" anchorCtr="0" forceAA="0" compatLnSpc="1">
+              <a:prstTxWarp prst="textNoShape">
+                <a:avLst/>
+              </a:prstTxWarp>
+              <a:noAutofit/>
+            </a:bodyPr>
+            <a:lstStyle/>
+            <a:p>
+              <a:pPr>
+                <a:lnSpc>
+                  <a:spcPct val="90000"/>
+                </a:lnSpc>
+              </a:pPr>
+              <a:r>
+                <a:rPr lang="en-US" sz="1200" smtClean="0">
+                  <a:solidFill>
+                    <a:schemeClr val="tx1"/>
+                  </a:solidFill>
+                </a:rPr>
+                <a:t>Specific</a:t>
+              </a:r>
+              <a:br>
+                <a:rPr lang="en-US" sz="1200" smtClean="0">
+                  <a:solidFill>
+                    <a:schemeClr val="tx1"/>
+                  </a:solidFill>
+                </a:rPr>
+              </a:br>
+              <a:r>
+                <a:rPr lang="en-US" sz="1200" smtClean="0">
+                  <a:solidFill>
+                    <a:schemeClr val="tx1"/>
+                  </a:solidFill>
+                </a:rPr>
+                <a:t>ASN.1</a:t>
+              </a:r>
+              <a:br>
+                <a:rPr lang="en-US" sz="1200" smtClean="0">
+                  <a:solidFill>
+                    <a:schemeClr val="tx1"/>
+                  </a:solidFill>
+                </a:rPr>
+              </a:br>
+              <a:r>
+                <a:rPr lang="en-US" sz="1200" smtClean="0">
+                  <a:solidFill>
+                    <a:schemeClr val="tx1"/>
+                  </a:solidFill>
+                </a:rPr>
+                <a:t>Parser</a:t>
+              </a:r>
+              <a:endParaRPr lang="en-US" sz="1200" dirty="0" smtClean="0">
+                <a:solidFill>
+                  <a:schemeClr val="tx1"/>
+                </a:solidFill>
+              </a:endParaRPr>
+            </a:p>
+          </p:txBody>
+        </p:sp>
+        <p:sp>
+          <p:nvSpPr>
+            <p:cNvPr id="10" name="Rectangle 9"/>
+            <p:cNvSpPr/>
+            <p:nvPr/>
+          </p:nvSpPr>
+          <p:spPr>
+            <a:xfrm>
+              <a:off x="5024728" y="2402064"/>
+              <a:ext cx="1737579" cy="732704"/>
+            </a:xfrm>
+            <a:prstGeom prst="rect">
+              <a:avLst/>
+            </a:prstGeom>
+            <a:grpFill/>
+            <a:ln w="19050">
+              <a:solidFill>
+                <a:schemeClr val="tx1"/>
+              </a:solidFill>
+            </a:ln>
+            <a:effectLst/>
+            <a:scene3d>
+              <a:camera prst="orthographicFront">
+                <a:rot lat="0" lon="0" rev="0"/>
+              </a:camera>
+              <a:lightRig rig="threePt" dir="t">
+                <a:rot lat="0" lon="0" rev="1200000"/>
+              </a:lightRig>
+            </a:scene3d>
+            <a:sp3d/>
+          </p:spPr>
+          <p:style>
+            <a:lnRef idx="0">
+              <a:schemeClr val="accent1"/>
+            </a:lnRef>
+            <a:fillRef idx="3">
+              <a:schemeClr val="accent1"/>
+            </a:fillRef>
+            <a:effectRef idx="3">
+              <a:schemeClr val="accent1"/>
+            </a:effectRef>
+            <a:fontRef idx="minor">
+              <a:schemeClr val="lt1"/>
+            </a:fontRef>
+          </p:style>
+          <p:txBody>
+            <a:bodyPr rot="0" spcFirstLastPara="0" vertOverflow="overflow" horzOverflow="overflow" vert="horz" wrap="square" lIns="45720" tIns="45720" rIns="45720" bIns="45720" numCol="1" spcCol="0" rtlCol="0" fromWordArt="0" anchor="b" anchorCtr="0" forceAA="0" compatLnSpc="1">
+              <a:prstTxWarp prst="textNoShape">
+                <a:avLst/>
+              </a:prstTxWarp>
+              <a:noAutofit/>
+            </a:bodyPr>
+            <a:lstStyle/>
+            <a:p>
+              <a:pPr>
+                <a:lnSpc>
+                  <a:spcPct val="90000"/>
+                </a:lnSpc>
+              </a:pPr>
+              <a:r>
+                <a:rPr lang="en-US" sz="1200" dirty="0" smtClean="0">
+                  <a:solidFill>
+                    <a:schemeClr val="tx1"/>
+                  </a:solidFill>
+                </a:rPr>
+                <a:t>Decoder</a:t>
+              </a:r>
+              <a:br>
+                <a:rPr lang="en-US" sz="1200" dirty="0" smtClean="0">
+                  <a:solidFill>
+                    <a:schemeClr val="tx1"/>
+                  </a:solidFill>
+                </a:rPr>
+              </a:br>
+              <a:r>
+                <a:rPr lang="en-US" sz="1200" dirty="0" smtClean="0">
+                  <a:solidFill>
+                    <a:schemeClr val="tx1"/>
+                  </a:solidFill>
+                </a:rPr>
+                <a:t>(store in specification-defined </a:t>
+              </a:r>
+              <a:r>
+                <a:rPr lang="en-US" sz="1200" smtClean="0">
+                  <a:solidFill>
+                    <a:schemeClr val="tx1"/>
+                  </a:solidFill>
+                </a:rPr>
+                <a:t>C structures)</a:t>
+              </a:r>
+              <a:endParaRPr lang="en-US" sz="1200" dirty="0" smtClean="0">
+                <a:solidFill>
+                  <a:schemeClr val="tx1"/>
+                </a:solidFill>
+              </a:endParaRPr>
+            </a:p>
+          </p:txBody>
+        </p:sp>
+        <p:sp>
+          <p:nvSpPr>
+            <p:cNvPr id="11" name="Rectangle 10"/>
+            <p:cNvSpPr/>
+            <p:nvPr/>
+          </p:nvSpPr>
+          <p:spPr>
+            <a:xfrm>
+              <a:off x="5024727" y="3134767"/>
+              <a:ext cx="1737580" cy="714219"/>
+            </a:xfrm>
+            <a:prstGeom prst="rect">
+              <a:avLst/>
+            </a:prstGeom>
+            <a:grpFill/>
+            <a:ln w="19050">
+              <a:solidFill>
+                <a:schemeClr val="tx1"/>
+              </a:solidFill>
+            </a:ln>
+            <a:effectLst/>
+            <a:scene3d>
+              <a:camera prst="orthographicFront">
+                <a:rot lat="0" lon="0" rev="0"/>
+              </a:camera>
+              <a:lightRig rig="threePt" dir="t">
+                <a:rot lat="0" lon="0" rev="1200000"/>
+              </a:lightRig>
+            </a:scene3d>
+            <a:sp3d/>
+          </p:spPr>
+          <p:style>
+            <a:lnRef idx="0">
+              <a:schemeClr val="accent1"/>
+            </a:lnRef>
+            <a:fillRef idx="3">
+              <a:schemeClr val="accent1"/>
+            </a:fillRef>
+            <a:effectRef idx="3">
+              <a:schemeClr val="accent1"/>
+            </a:effectRef>
+            <a:fontRef idx="minor">
+              <a:schemeClr val="lt1"/>
+            </a:fontRef>
+          </p:style>
+          <p:txBody>
+            <a:bodyPr rot="0" spcFirstLastPara="0" vertOverflow="overflow" horzOverflow="overflow" vert="horz" wrap="square" lIns="45720" tIns="45720" rIns="45720" bIns="45720" numCol="1" spcCol="0" rtlCol="0" fromWordArt="0" anchor="t" anchorCtr="0" forceAA="0" compatLnSpc="1">
+              <a:prstTxWarp prst="textNoShape">
+                <a:avLst/>
+              </a:prstTxWarp>
+              <a:noAutofit/>
+            </a:bodyPr>
+            <a:lstStyle/>
+            <a:p>
+              <a:pPr>
+                <a:lnSpc>
+                  <a:spcPct val="90000"/>
+                </a:lnSpc>
+              </a:pPr>
+              <a:r>
+                <a:rPr lang="en-US" sz="1200" dirty="0" smtClean="0">
+                  <a:solidFill>
+                    <a:schemeClr val="tx1"/>
+                  </a:solidFill>
+                </a:rPr>
+                <a:t>Encoder</a:t>
+              </a:r>
+              <a:br>
+                <a:rPr lang="en-US" sz="1200" dirty="0" smtClean="0">
+                  <a:solidFill>
+                    <a:schemeClr val="tx1"/>
+                  </a:solidFill>
+                </a:rPr>
+              </a:br>
+              <a:r>
+                <a:rPr lang="en-US" sz="1200" dirty="0" smtClean="0">
+                  <a:solidFill>
+                    <a:schemeClr val="tx1"/>
+                  </a:solidFill>
+                </a:rPr>
+                <a:t>(write to alternative form, e.g., XML)</a:t>
+              </a:r>
+            </a:p>
+          </p:txBody>
+        </p:sp>
+      </p:grpSp>
+      <p:cxnSp>
+        <p:nvCxnSpPr>
+          <p:cNvPr id="12" name="Straight Arrow Connector 11"/>
+          <p:cNvCxnSpPr/>
+          <p:nvPr/>
+        </p:nvCxnSpPr>
+        <p:spPr>
+          <a:xfrm flipH="1">
+            <a:off x="2953612" y="2000035"/>
+            <a:ext cx="1" cy="710373"/>
+          </a:xfrm>
+          <a:prstGeom prst="straightConnector1">
+            <a:avLst/>
+          </a:prstGeom>
+          <a:ln w="19050">
+            <a:solidFill>
+              <a:schemeClr val="tx1"/>
+            </a:solidFill>
+            <a:headEnd w="lg" len="lg"/>
+            <a:tailEnd type="triangle" w="lg" len="lg"/>
+          </a:ln>
+        </p:spPr>
+        <p:style>
+          <a:lnRef idx="1">
+            <a:schemeClr val="accent1"/>
+          </a:lnRef>
+          <a:fillRef idx="0">
+            <a:schemeClr val="accent1"/>
+          </a:fillRef>
+          <a:effectRef idx="0">
+            <a:schemeClr val="accent1"/>
+          </a:effectRef>
+          <a:fontRef idx="minor">
+            <a:schemeClr val="tx1"/>
+          </a:fontRef>
+        </p:style>
+      </p:cxnSp>
+      <p:cxnSp>
+        <p:nvCxnSpPr>
+          <p:cNvPr id="13" name="Straight Arrow Connector 12"/>
+          <p:cNvCxnSpPr/>
+          <p:nvPr/>
+        </p:nvCxnSpPr>
+        <p:spPr>
+          <a:xfrm flipV="1">
+            <a:off x="5189963" y="3800220"/>
+            <a:ext cx="1115143" cy="1"/>
+          </a:xfrm>
+          <a:prstGeom prst="straightConnector1">
+            <a:avLst/>
+          </a:prstGeom>
+          <a:ln w="19050">
+            <a:solidFill>
+              <a:schemeClr val="tx1"/>
+            </a:solidFill>
+            <a:headEnd w="lg" len="lg"/>
+            <a:tailEnd type="triangle" w="lg" len="lg"/>
+          </a:ln>
+        </p:spPr>
+        <p:style>
+          <a:lnRef idx="1">
+            <a:schemeClr val="accent1"/>
+          </a:lnRef>
+          <a:fillRef idx="0">
+            <a:schemeClr val="accent1"/>
+          </a:fillRef>
+          <a:effectRef idx="0">
+            <a:schemeClr val="accent1"/>
+          </a:effectRef>
+          <a:fontRef idx="minor">
+            <a:schemeClr val="tx1"/>
+          </a:fontRef>
+        </p:style>
+      </p:cxnSp>
+      <p:cxnSp>
+        <p:nvCxnSpPr>
+          <p:cNvPr id="14" name="Straight Connector 29"/>
+          <p:cNvCxnSpPr>
+            <a:stCxn id="14" idx="0"/>
+          </p:cNvCxnSpPr>
+          <p:nvPr/>
+        </p:nvCxnSpPr>
+        <p:spPr>
+          <a:xfrm rot="16200000" flipH="1">
+            <a:off x="3483270" y="2190498"/>
+            <a:ext cx="1080066" cy="2139380"/>
+          </a:xfrm>
+          <a:prstGeom prst="bentConnector4">
+            <a:avLst>
+              <a:gd name="adj1" fmla="val 8368"/>
+              <a:gd name="adj2" fmla="val 95775"/>
+            </a:avLst>
+          </a:prstGeom>
+          <a:ln w="19050">
+            <a:prstDash val="sysDash"/>
+          </a:ln>
+        </p:spPr>
+        <p:style>
+          <a:lnRef idx="1">
+            <a:schemeClr val="accent1"/>
+          </a:lnRef>
+          <a:fillRef idx="0">
+            <a:schemeClr val="accent1"/>
+          </a:fillRef>
+          <a:effectRef idx="0">
+            <a:schemeClr val="accent1"/>
+          </a:effectRef>
+          <a:fontRef idx="minor">
+            <a:schemeClr val="tx1"/>
+          </a:fontRef>
+        </p:style>
+      </p:cxnSp>
+      <p:sp>
+        <p:nvSpPr>
+          <p:cNvPr id="15" name="Rectangle 14"/>
+          <p:cNvSpPr/>
+          <p:nvPr/>
+        </p:nvSpPr>
+        <p:spPr>
+          <a:xfrm>
+            <a:off x="6009644" y="3219818"/>
+            <a:ext cx="1624532" cy="974720"/>
+          </a:xfrm>
+          <a:prstGeom prst="rect">
+            <a:avLst/>
+          </a:prstGeom>
+          <a:solidFill>
+            <a:schemeClr val="accent5">
+              <a:lumMod val="40000"/>
+              <a:lumOff val="60000"/>
+            </a:schemeClr>
+          </a:solidFill>
+          <a:ln w="19050">
+            <a:solidFill>
+              <a:schemeClr val="tx1"/>
+            </a:solidFill>
+          </a:ln>
+          <a:effectLst/>
+          <a:scene3d>
+            <a:camera prst="orthographicFront">
+              <a:rot lat="0" lon="0" rev="0"/>
+            </a:camera>
+            <a:lightRig rig="threePt" dir="t">
+              <a:rot lat="0" lon="0" rev="1200000"/>
+            </a:lightRig>
+          </a:scene3d>
+          <a:sp3d/>
+        </p:spPr>
+        <p:style>
+          <a:lnRef idx="0">
+            <a:schemeClr val="accent1"/>
+          </a:lnRef>
+          <a:fillRef idx="3">
+            <a:schemeClr val="accent1"/>
+          </a:fillRef>
+          <a:effectRef idx="3">
+            <a:schemeClr val="accent1"/>
+          </a:effectRef>
+          <a:fontRef idx="minor">
+            <a:schemeClr val="lt1"/>
+          </a:fontRef>
+        </p:style>
+        <p:txBody>
+          <a:bodyPr rot="0" spcFirstLastPara="0" vertOverflow="overflow" horzOverflow="overflow" vert="horz" wrap="square" lIns="45720" tIns="45720" rIns="45720" bIns="45720" numCol="1" spcCol="0" rtlCol="0" fromWordArt="0" anchor="t" anchorCtr="0" forceAA="0" compatLnSpc="1">
+            <a:prstTxWarp prst="textNoShape">
+              <a:avLst/>
+            </a:prstTxWarp>
+            <a:noAutofit/>
+          </a:bodyPr>
+          <a:lstStyle/>
+          <a:p>
+            <a:pPr>
+              <a:lnSpc>
+                <a:spcPct val="90000"/>
+              </a:lnSpc>
+            </a:pPr>
+            <a:r>
+              <a:rPr lang="en-US" sz="1200" dirty="0" smtClean="0">
+                <a:solidFill>
+                  <a:schemeClr val="tx1"/>
+                </a:solidFill>
+              </a:rPr>
+              <a:t>Messages</a:t>
+            </a:r>
+          </a:p>
+          <a:p>
+            <a:pPr marL="171450" indent="-171450">
+              <a:lnSpc>
+                <a:spcPct val="90000"/>
+              </a:lnSpc>
+              <a:buFont typeface="Arial" charset="0"/>
+              <a:buChar char="•"/>
+            </a:pPr>
+            <a:r>
+              <a:rPr lang="en-US" sz="1200" dirty="0" smtClean="0">
+                <a:solidFill>
+                  <a:schemeClr val="tx1"/>
+                </a:solidFill>
+              </a:rPr>
+              <a:t>Binary</a:t>
+            </a:r>
+            <a:r>
+              <a:rPr lang="en-US" sz="1200" dirty="0">
+                <a:solidFill>
+                  <a:schemeClr val="tx1"/>
+                </a:solidFill>
+              </a:rPr>
+              <a:t> </a:t>
+            </a:r>
+            <a:r>
+              <a:rPr lang="en-US" sz="1200" dirty="0" smtClean="0">
+                <a:solidFill>
+                  <a:schemeClr val="tx1"/>
+                </a:solidFill>
+              </a:rPr>
+              <a:t>(ASN.1)</a:t>
+            </a:r>
+          </a:p>
+          <a:p>
+            <a:pPr marL="171450" indent="-171450">
+              <a:lnSpc>
+                <a:spcPct val="90000"/>
+              </a:lnSpc>
+              <a:buFont typeface="Arial" charset="0"/>
+              <a:buChar char="•"/>
+            </a:pPr>
+            <a:r>
+              <a:rPr lang="en-US" sz="1200" dirty="0" smtClean="0">
+                <a:solidFill>
+                  <a:schemeClr val="tx1"/>
+                </a:solidFill>
+              </a:rPr>
+              <a:t>Other (XML)</a:t>
+            </a:r>
+          </a:p>
+        </p:txBody>
+      </p:sp>
+      <p:sp>
+        <p:nvSpPr>
+          <p:cNvPr id="18" name="Rectangle 17"/>
+          <p:cNvSpPr/>
+          <p:nvPr/>
+        </p:nvSpPr>
+        <p:spPr>
+          <a:xfrm>
+            <a:off x="8070109" y="277297"/>
+            <a:ext cx="425303" cy="255182"/>
+          </a:xfrm>
+          <a:prstGeom prst="rect">
+            <a:avLst/>
+          </a:prstGeom>
+          <a:solidFill>
+            <a:schemeClr val="accent5">
+              <a:lumMod val="40000"/>
+              <a:lumOff val="60000"/>
+            </a:schemeClr>
+          </a:solidFill>
+          <a:ln>
+            <a:solidFill>
+              <a:schemeClr val="tx1"/>
+            </a:solidFill>
+          </a:ln>
+          <a:effectLst/>
+          <a:scene3d>
+            <a:camera prst="orthographicFront">
+              <a:rot lat="0" lon="0" rev="0"/>
+            </a:camera>
+            <a:lightRig rig="threePt" dir="t">
+              <a:rot lat="0" lon="0" rev="1200000"/>
+            </a:lightRig>
+          </a:scene3d>
+          <a:sp3d/>
+        </p:spPr>
+        <p:style>
+          <a:lnRef idx="0">
+            <a:schemeClr val="accent1"/>
+          </a:lnRef>
+          <a:fillRef idx="3">
+            <a:schemeClr val="accent1"/>
+          </a:fillRef>
+          <a:effectRef idx="3">
+            <a:schemeClr val="accent1"/>
+          </a:effectRef>
+          <a:fontRef idx="minor">
+            <a:schemeClr val="lt1"/>
+          </a:fontRef>
+        </p:style>
+        <p:txBody>
+          <a:bodyPr rot="0" spcFirstLastPara="0" vertOverflow="overflow" horzOverflow="overflow" vert="horz" wrap="square" lIns="45720" tIns="45720" rIns="45720" bIns="45720" numCol="1" spcCol="0" rtlCol="0" fromWordArt="0" anchor="ctr" anchorCtr="0" forceAA="0" compatLnSpc="1">
+            <a:prstTxWarp prst="textNoShape">
+              <a:avLst/>
+            </a:prstTxWarp>
+            <a:noAutofit/>
+          </a:bodyPr>
+          <a:lstStyle/>
+          <a:p>
+            <a:pPr algn="ctr">
+              <a:lnSpc>
+                <a:spcPct val="90000"/>
+              </a:lnSpc>
+            </a:pPr>
+            <a:endParaRPr lang="en-US" dirty="0" smtClean="0">
+              <a:solidFill>
+                <a:schemeClr val="tx1"/>
+              </a:solidFill>
+            </a:endParaRPr>
+          </a:p>
+        </p:txBody>
+      </p:sp>
+      <p:sp>
+        <p:nvSpPr>
+          <p:cNvPr id="19" name="Rectangle 18"/>
+          <p:cNvSpPr/>
+          <p:nvPr/>
+        </p:nvSpPr>
+        <p:spPr>
+          <a:xfrm>
+            <a:off x="8070109" y="698685"/>
+            <a:ext cx="425303" cy="255182"/>
+          </a:xfrm>
+          <a:prstGeom prst="rect">
+            <a:avLst/>
+          </a:prstGeom>
+          <a:solidFill>
+            <a:schemeClr val="accent1">
+              <a:lumMod val="40000"/>
+              <a:lumOff val="60000"/>
+            </a:schemeClr>
+          </a:solidFill>
+          <a:ln>
+            <a:solidFill>
+              <a:schemeClr val="tx1"/>
+            </a:solidFill>
+          </a:ln>
+          <a:effectLst/>
+          <a:scene3d>
+            <a:camera prst="orthographicFront">
+              <a:rot lat="0" lon="0" rev="0"/>
+            </a:camera>
+            <a:lightRig rig="threePt" dir="t">
+              <a:rot lat="0" lon="0" rev="1200000"/>
+            </a:lightRig>
+          </a:scene3d>
+          <a:sp3d/>
+        </p:spPr>
+        <p:style>
+          <a:lnRef idx="0">
+            <a:schemeClr val="accent1"/>
+          </a:lnRef>
+          <a:fillRef idx="3">
+            <a:schemeClr val="accent1"/>
+          </a:fillRef>
+          <a:effectRef idx="3">
+            <a:schemeClr val="accent1"/>
+          </a:effectRef>
+          <a:fontRef idx="minor">
+            <a:schemeClr val="lt1"/>
+          </a:fontRef>
+        </p:style>
+        <p:txBody>
+          <a:bodyPr rot="0" spcFirstLastPara="0" vertOverflow="overflow" horzOverflow="overflow" vert="horz" wrap="square" lIns="45720" tIns="45720" rIns="45720" bIns="45720" numCol="1" spcCol="0" rtlCol="0" fromWordArt="0" anchor="ctr" anchorCtr="0" forceAA="0" compatLnSpc="1">
+            <a:prstTxWarp prst="textNoShape">
+              <a:avLst/>
+            </a:prstTxWarp>
+            <a:noAutofit/>
+          </a:bodyPr>
+          <a:lstStyle/>
+          <a:p>
+            <a:pPr algn="ctr">
+              <a:lnSpc>
+                <a:spcPct val="90000"/>
+              </a:lnSpc>
+            </a:pPr>
+            <a:endParaRPr lang="en-US" dirty="0" smtClean="0">
+              <a:solidFill>
+                <a:schemeClr val="tx1"/>
+              </a:solidFill>
+            </a:endParaRPr>
+          </a:p>
+        </p:txBody>
+      </p:sp>
+      <p:sp>
+        <p:nvSpPr>
+          <p:cNvPr id="20" name="Rectangle 19"/>
+          <p:cNvSpPr/>
+          <p:nvPr/>
+        </p:nvSpPr>
+        <p:spPr>
+          <a:xfrm>
+            <a:off x="8070109" y="1107415"/>
+            <a:ext cx="425303" cy="255182"/>
+          </a:xfrm>
+          <a:prstGeom prst="rect">
+            <a:avLst/>
+          </a:prstGeom>
+          <a:solidFill>
+            <a:schemeClr val="accent2">
+              <a:lumMod val="40000"/>
+              <a:lumOff val="60000"/>
+            </a:schemeClr>
+          </a:solidFill>
+          <a:ln>
+            <a:solidFill>
+              <a:schemeClr val="tx1"/>
+            </a:solidFill>
+          </a:ln>
+          <a:effectLst/>
+          <a:scene3d>
+            <a:camera prst="orthographicFront">
+              <a:rot lat="0" lon="0" rev="0"/>
+            </a:camera>
+            <a:lightRig rig="threePt" dir="t">
+              <a:rot lat="0" lon="0" rev="1200000"/>
+            </a:lightRig>
+          </a:scene3d>
+          <a:sp3d/>
+        </p:spPr>
+        <p:style>
+          <a:lnRef idx="0">
+            <a:schemeClr val="accent1"/>
+          </a:lnRef>
+          <a:fillRef idx="3">
+            <a:schemeClr val="accent1"/>
+          </a:fillRef>
+          <a:effectRef idx="3">
+            <a:schemeClr val="accent1"/>
+          </a:effectRef>
+          <a:fontRef idx="minor">
+            <a:schemeClr val="lt1"/>
+          </a:fontRef>
+        </p:style>
+        <p:txBody>
+          <a:bodyPr rot="0" spcFirstLastPara="0" vertOverflow="overflow" horzOverflow="overflow" vert="horz" wrap="square" lIns="45720" tIns="45720" rIns="45720" bIns="45720" numCol="1" spcCol="0" rtlCol="0" fromWordArt="0" anchor="ctr" anchorCtr="0" forceAA="0" compatLnSpc="1">
+            <a:prstTxWarp prst="textNoShape">
+              <a:avLst/>
+            </a:prstTxWarp>
+            <a:noAutofit/>
+          </a:bodyPr>
+          <a:lstStyle/>
+          <a:p>
+            <a:pPr algn="ctr">
+              <a:lnSpc>
+                <a:spcPct val="90000"/>
+              </a:lnSpc>
+            </a:pPr>
+            <a:endParaRPr lang="en-US" dirty="0" smtClean="0">
+              <a:solidFill>
+                <a:schemeClr val="tx1"/>
+              </a:solidFill>
+            </a:endParaRPr>
+          </a:p>
+        </p:txBody>
+      </p:sp>
+      <p:sp>
+        <p:nvSpPr>
+          <p:cNvPr id="21" name="TextBox 20"/>
+          <p:cNvSpPr txBox="1"/>
+          <p:nvPr/>
+        </p:nvSpPr>
+        <p:spPr>
+          <a:xfrm>
+            <a:off x="8548574" y="134605"/>
+            <a:ext cx="3848986" cy="1287532"/>
+          </a:xfrm>
+          <a:prstGeom prst="rect">
+            <a:avLst/>
+          </a:prstGeom>
+          <a:noFill/>
+        </p:spPr>
+        <p:txBody>
+          <a:bodyPr wrap="square" rtlCol="0">
+            <a:spAutoFit/>
+          </a:bodyPr>
+          <a:lstStyle/>
+          <a:p>
+            <a:pPr>
+              <a:lnSpc>
+                <a:spcPct val="150000"/>
+              </a:lnSpc>
+            </a:pPr>
+            <a:r>
+              <a:rPr lang="en-US" dirty="0" smtClean="0"/>
+              <a:t>Data</a:t>
+            </a:r>
+          </a:p>
+          <a:p>
+            <a:pPr>
+              <a:lnSpc>
+                <a:spcPct val="150000"/>
+              </a:lnSpc>
+            </a:pPr>
+            <a:r>
+              <a:rPr lang="en-US" dirty="0" smtClean="0"/>
+              <a:t>Source Code</a:t>
+            </a:r>
+          </a:p>
+          <a:p>
+            <a:pPr>
+              <a:lnSpc>
+                <a:spcPct val="150000"/>
+              </a:lnSpc>
+            </a:pPr>
+            <a:r>
+              <a:rPr lang="en-US" dirty="0" smtClean="0"/>
+              <a:t>Applications / Executables</a:t>
+            </a:r>
+          </a:p>
+        </p:txBody>
+      </p:sp>
+    </p:spTree>
+    <p:extLst>
+      <p:ext uri="{BB962C8B-B14F-4D97-AF65-F5344CB8AC3E}">
+        <p14:creationId xmlns:p14="http://schemas.microsoft.com/office/powerpoint/2010/main" val="40975567"/>
+      </p:ext>
+    </p:extLst>
+  </p:cSld>
+  <p:clrMapOvr>
+    <a:masterClrMapping/>
+  </p:clrMapOvr>
+</p:sld>
+</file>
+
+<file path=ppt/slides/slide4.xml><?xml version="1.0" encoding="utf-8"?>
+<p:sld xmlns:a="http://schemas.openxmlformats.org/drawingml/2006/main" xmlns:r="http://schemas.openxmlformats.org/officeDocument/2006/relationships" xmlns:p="http://schemas.openxmlformats.org/presentationml/2006/main">
+  <p:cSld>
+    <p:spTree>
+      <p:nvGrpSpPr>
+        <p:cNvPr id="1" name=""/>
+        <p:cNvGrpSpPr/>
+        <p:nvPr/>
+      </p:nvGrpSpPr>
+      <p:grpSpPr>
+        <a:xfrm>
+          <a:off x="0" y="0"/>
+          <a:ext cx="0" cy="0"/>
+          <a:chOff x="0" y="0"/>
+          <a:chExt cx="0" cy="0"/>
+        </a:xfrm>
+      </p:grpSpPr>
+      <p:grpSp>
+        <p:nvGrpSpPr>
+          <p:cNvPr id="34" name="Group 33"/>
+          <p:cNvGrpSpPr/>
+          <p:nvPr/>
+        </p:nvGrpSpPr>
+        <p:grpSpPr>
+          <a:xfrm>
+            <a:off x="2650169" y="3096057"/>
+            <a:ext cx="5280831" cy="2377855"/>
+            <a:chOff x="2650169" y="3096057"/>
+            <a:chExt cx="5280831" cy="2377855"/>
+          </a:xfrm>
+        </p:grpSpPr>
+        <p:grpSp>
+          <p:nvGrpSpPr>
+            <p:cNvPr id="3" name="Group 2"/>
+            <p:cNvGrpSpPr/>
+            <p:nvPr/>
+          </p:nvGrpSpPr>
+          <p:grpSpPr>
+            <a:xfrm>
+              <a:off x="2650169" y="3286595"/>
+              <a:ext cx="985520" cy="673445"/>
+              <a:chOff x="5338315" y="352742"/>
+              <a:chExt cx="3106095" cy="2122519"/>
+            </a:xfrm>
+          </p:grpSpPr>
+          <p:pic>
+            <p:nvPicPr>
+              <p:cNvPr id="4" name="Picture 3"/>
+              <p:cNvPicPr>
+                <a:picLocks noChangeAspect="1"/>
+              </p:cNvPicPr>
+              <p:nvPr/>
+            </p:nvPicPr>
+            <p:blipFill>
+              <a:blip r:embed="rId2" cstate="print">
+                <a:extLst>
+                  <a:ext uri="{28A0092B-C50C-407E-A947-70E740481C1C}">
+                    <a14:useLocalDpi xmlns:a14="http://schemas.microsoft.com/office/drawing/2010/main"/>
+                  </a:ext>
+                </a:extLst>
+              </a:blip>
+              <a:stretch>
+                <a:fillRect/>
+              </a:stretch>
+            </p:blipFill>
+            <p:spPr>
+              <a:xfrm>
+                <a:off x="7258608" y="1483059"/>
+                <a:ext cx="1185802" cy="992202"/>
+              </a:xfrm>
+              <a:prstGeom prst="rect">
+                <a:avLst/>
+              </a:prstGeom>
+            </p:spPr>
+          </p:pic>
+          <p:pic>
+            <p:nvPicPr>
+              <p:cNvPr id="5" name="Picture 4"/>
+              <p:cNvPicPr>
+                <a:picLocks noChangeAspect="1"/>
+              </p:cNvPicPr>
+              <p:nvPr/>
+            </p:nvPicPr>
+            <p:blipFill>
+              <a:blip r:embed="rId2" cstate="print">
+                <a:extLst>
+                  <a:ext uri="{28A0092B-C50C-407E-A947-70E740481C1C}">
+                    <a14:useLocalDpi xmlns:a14="http://schemas.microsoft.com/office/drawing/2010/main"/>
+                  </a:ext>
+                </a:extLst>
+              </a:blip>
+              <a:stretch>
+                <a:fillRect/>
+              </a:stretch>
+            </p:blipFill>
+            <p:spPr>
+              <a:xfrm>
+                <a:off x="6665707" y="352742"/>
+                <a:ext cx="1185802" cy="992202"/>
+              </a:xfrm>
+              <a:prstGeom prst="rect">
+                <a:avLst/>
+              </a:prstGeom>
+            </p:spPr>
+          </p:pic>
+          <p:pic>
+            <p:nvPicPr>
+              <p:cNvPr id="6" name="Picture 5"/>
+              <p:cNvPicPr>
+                <a:picLocks noChangeAspect="1"/>
+              </p:cNvPicPr>
+              <p:nvPr/>
+            </p:nvPicPr>
+            <p:blipFill>
+              <a:blip r:embed="rId2" cstate="print">
+                <a:extLst>
+                  <a:ext uri="{28A0092B-C50C-407E-A947-70E740481C1C}">
+                    <a14:useLocalDpi xmlns:a14="http://schemas.microsoft.com/office/drawing/2010/main"/>
+                  </a:ext>
+                </a:extLst>
+              </a:blip>
+              <a:stretch>
+                <a:fillRect/>
+              </a:stretch>
+            </p:blipFill>
+            <p:spPr>
+              <a:xfrm>
+                <a:off x="5338315" y="777913"/>
+                <a:ext cx="1185802" cy="992202"/>
+              </a:xfrm>
+              <a:prstGeom prst="rect">
+                <a:avLst/>
+              </a:prstGeom>
+            </p:spPr>
+          </p:pic>
+        </p:grpSp>
+        <p:sp>
+          <p:nvSpPr>
+            <p:cNvPr id="8" name="Cloud 7"/>
+            <p:cNvSpPr/>
+            <p:nvPr/>
+          </p:nvSpPr>
+          <p:spPr>
+            <a:xfrm>
+              <a:off x="6285494" y="3187508"/>
+              <a:ext cx="1645506" cy="915440"/>
+            </a:xfrm>
+            <a:prstGeom prst="cloud">
+              <a:avLst/>
+            </a:prstGeom>
+            <a:solidFill>
+              <a:schemeClr val="bg1">
+                <a:lumMod val="85000"/>
+              </a:schemeClr>
+            </a:solidFill>
+            <a:ln>
+              <a:solidFill>
+                <a:schemeClr val="tx1"/>
+              </a:solidFill>
+            </a:ln>
+            <a:effectLst/>
+            <a:scene3d>
+              <a:camera prst="orthographicFront">
+                <a:rot lat="0" lon="0" rev="0"/>
+              </a:camera>
+              <a:lightRig rig="threePt" dir="t">
+                <a:rot lat="0" lon="0" rev="1200000"/>
+              </a:lightRig>
+            </a:scene3d>
+            <a:sp3d/>
+          </p:spPr>
+          <p:style>
+            <a:lnRef idx="0">
+              <a:schemeClr val="accent1"/>
+            </a:lnRef>
+            <a:fillRef idx="3">
+              <a:schemeClr val="accent1"/>
+            </a:fillRef>
+            <a:effectRef idx="3">
+              <a:schemeClr val="accent1"/>
+            </a:effectRef>
+            <a:fontRef idx="minor">
+              <a:schemeClr val="lt1"/>
+            </a:fontRef>
+          </p:style>
+          <p:txBody>
+            <a:bodyPr rot="0" spcFirstLastPara="0" vertOverflow="overflow" horzOverflow="overflow" vert="horz" wrap="square" lIns="45720" tIns="45720" rIns="45720" bIns="45720" numCol="1" spcCol="0" rtlCol="0" fromWordArt="0" anchor="ctr" anchorCtr="0" forceAA="0" compatLnSpc="1">
+              <a:prstTxWarp prst="textNoShape">
+                <a:avLst/>
+              </a:prstTxWarp>
+              <a:noAutofit/>
+            </a:bodyPr>
+            <a:lstStyle/>
+            <a:p>
+              <a:pPr algn="ctr">
+                <a:lnSpc>
+                  <a:spcPct val="90000"/>
+                </a:lnSpc>
+              </a:pPr>
+              <a:r>
+                <a:rPr lang="en-US" sz="1200" smtClean="0">
+                  <a:solidFill>
+                    <a:schemeClr val="tx1"/>
+                  </a:solidFill>
+                </a:rPr>
+                <a:t>Data Customers</a:t>
+              </a:r>
+              <a:endParaRPr lang="en-US" sz="1200" dirty="0" smtClean="0">
+                <a:solidFill>
+                  <a:schemeClr val="tx1"/>
+                </a:solidFill>
+              </a:endParaRPr>
+            </a:p>
+          </p:txBody>
+        </p:sp>
+        <p:sp>
+          <p:nvSpPr>
+            <p:cNvPr id="16" name="Rectangle 15"/>
+            <p:cNvSpPr/>
+            <p:nvPr/>
+          </p:nvSpPr>
+          <p:spPr>
+            <a:xfrm>
+              <a:off x="4096196" y="3251117"/>
+              <a:ext cx="1735644" cy="765423"/>
+            </a:xfrm>
+            <a:prstGeom prst="rect">
+              <a:avLst/>
+            </a:prstGeom>
+            <a:solidFill>
+              <a:schemeClr val="accent1">
+                <a:lumMod val="60000"/>
+                <a:lumOff val="40000"/>
+              </a:schemeClr>
+            </a:solidFill>
+            <a:ln>
+              <a:solidFill>
+                <a:schemeClr val="tx1"/>
+              </a:solidFill>
+            </a:ln>
+            <a:effectLst/>
+            <a:scene3d>
+              <a:camera prst="orthographicFront">
+                <a:rot lat="0" lon="0" rev="0"/>
+              </a:camera>
+              <a:lightRig rig="threePt" dir="t">
+                <a:rot lat="0" lon="0" rev="1200000"/>
+              </a:lightRig>
+            </a:scene3d>
+            <a:sp3d/>
+          </p:spPr>
+          <p:style>
+            <a:lnRef idx="0">
+              <a:schemeClr val="accent1"/>
+            </a:lnRef>
+            <a:fillRef idx="3">
+              <a:schemeClr val="accent1"/>
+            </a:fillRef>
+            <a:effectRef idx="3">
+              <a:schemeClr val="accent1"/>
+            </a:effectRef>
+            <a:fontRef idx="minor">
+              <a:schemeClr val="lt1"/>
+            </a:fontRef>
+          </p:style>
+          <p:txBody>
+            <a:bodyPr rot="0" spcFirstLastPara="0" vertOverflow="overflow" horzOverflow="overflow" vert="horz" wrap="square" lIns="45720" tIns="45720" rIns="45720" bIns="45720" numCol="1" spcCol="0" rtlCol="0" fromWordArt="0" anchor="t" anchorCtr="0" forceAA="0" compatLnSpc="1">
+              <a:prstTxWarp prst="textNoShape">
+                <a:avLst/>
+              </a:prstTxWarp>
+              <a:noAutofit/>
+            </a:bodyPr>
+            <a:lstStyle/>
+            <a:p>
+              <a:pPr algn="ctr">
+                <a:lnSpc>
+                  <a:spcPct val="90000"/>
+                </a:lnSpc>
+              </a:pPr>
+              <a:r>
+                <a:rPr lang="en-US" sz="1050" dirty="0" smtClean="0">
+                  <a:solidFill>
+                    <a:schemeClr val="tx1"/>
+                  </a:solidFill>
+                </a:rPr>
+                <a:t>Operational Data Environment</a:t>
+              </a:r>
+              <a:br>
+                <a:rPr lang="en-US" sz="1050" dirty="0" smtClean="0">
+                  <a:solidFill>
+                    <a:schemeClr val="tx1"/>
+                  </a:solidFill>
+                </a:rPr>
+              </a:br>
+              <a:r>
+                <a:rPr lang="en-US" sz="1050" dirty="0" smtClean="0">
+                  <a:solidFill>
+                    <a:schemeClr val="tx1"/>
+                  </a:solidFill>
+                </a:rPr>
+                <a:t>(ODE)</a:t>
+              </a:r>
+              <a:endParaRPr lang="en-US" sz="1050" dirty="0" smtClean="0">
+                <a:solidFill>
+                  <a:schemeClr val="tx1"/>
+                </a:solidFill>
+              </a:endParaRPr>
+            </a:p>
+          </p:txBody>
+        </p:sp>
+        <p:sp>
+          <p:nvSpPr>
+            <p:cNvPr id="17" name="Rectangle 16"/>
+            <p:cNvSpPr/>
+            <p:nvPr/>
+          </p:nvSpPr>
+          <p:spPr>
+            <a:xfrm>
+              <a:off x="4096196" y="4708488"/>
+              <a:ext cx="1735644" cy="765424"/>
+            </a:xfrm>
+            <a:prstGeom prst="rect">
+              <a:avLst/>
+            </a:prstGeom>
+            <a:solidFill>
+              <a:schemeClr val="accent2">
+                <a:lumMod val="60000"/>
+                <a:lumOff val="40000"/>
+              </a:schemeClr>
+            </a:solidFill>
+            <a:ln>
+              <a:solidFill>
+                <a:schemeClr val="tx1"/>
+              </a:solidFill>
+            </a:ln>
+            <a:effectLst/>
+            <a:scene3d>
+              <a:camera prst="orthographicFront">
+                <a:rot lat="0" lon="0" rev="0"/>
+              </a:camera>
+              <a:lightRig rig="threePt" dir="t">
+                <a:rot lat="0" lon="0" rev="1200000"/>
+              </a:lightRig>
+            </a:scene3d>
+            <a:sp3d/>
+          </p:spPr>
+          <p:style>
+            <a:lnRef idx="0">
+              <a:schemeClr val="accent1"/>
+            </a:lnRef>
+            <a:fillRef idx="3">
+              <a:schemeClr val="accent1"/>
+            </a:fillRef>
+            <a:effectRef idx="3">
+              <a:schemeClr val="accent1"/>
+            </a:effectRef>
+            <a:fontRef idx="minor">
+              <a:schemeClr val="lt1"/>
+            </a:fontRef>
+          </p:style>
+          <p:txBody>
+            <a:bodyPr rot="0" spcFirstLastPara="0" vertOverflow="overflow" horzOverflow="overflow" vert="horz" wrap="square" lIns="45720" tIns="45720" rIns="45720" bIns="45720" numCol="1" spcCol="0" rtlCol="0" fromWordArt="0" anchor="b" anchorCtr="0" forceAA="0" compatLnSpc="1">
+              <a:prstTxWarp prst="textNoShape">
+                <a:avLst/>
+              </a:prstTxWarp>
+              <a:noAutofit/>
+            </a:bodyPr>
+            <a:lstStyle/>
+            <a:p>
+              <a:pPr algn="ctr">
+                <a:lnSpc>
+                  <a:spcPct val="90000"/>
+                </a:lnSpc>
+              </a:pPr>
+              <a:r>
+                <a:rPr lang="en-US" sz="1050" dirty="0" smtClean="0">
+                  <a:solidFill>
+                    <a:schemeClr val="tx1"/>
+                  </a:solidFill>
+                </a:rPr>
+                <a:t>ASN.1 Codec Module (ACM)</a:t>
+              </a:r>
+              <a:endParaRPr lang="en-US" sz="1050" dirty="0" smtClean="0">
+                <a:solidFill>
+                  <a:schemeClr val="tx1"/>
+                </a:solidFill>
+              </a:endParaRPr>
+            </a:p>
+          </p:txBody>
+        </p:sp>
+        <p:sp>
+          <p:nvSpPr>
+            <p:cNvPr id="27" name="Freeform 26"/>
+            <p:cNvSpPr/>
+            <p:nvPr/>
+          </p:nvSpPr>
+          <p:spPr>
+            <a:xfrm>
+              <a:off x="3666169" y="3736308"/>
+              <a:ext cx="2634565" cy="1297972"/>
+            </a:xfrm>
+            <a:custGeom>
+              <a:avLst/>
+              <a:gdLst>
+                <a:gd name="connsiteX0" fmla="*/ 0 w 2565400"/>
+                <a:gd name="connsiteY0" fmla="*/ 0 h 1061720"/>
+                <a:gd name="connsiteX1" fmla="*/ 523240 w 2565400"/>
+                <a:gd name="connsiteY1" fmla="*/ 0 h 1061720"/>
+                <a:gd name="connsiteX2" fmla="*/ 523240 w 2565400"/>
+                <a:gd name="connsiteY2" fmla="*/ 1061720 h 1061720"/>
+                <a:gd name="connsiteX3" fmla="*/ 2006600 w 2565400"/>
+                <a:gd name="connsiteY3" fmla="*/ 1061720 h 1061720"/>
+                <a:gd name="connsiteX4" fmla="*/ 2006600 w 2565400"/>
+                <a:gd name="connsiteY4" fmla="*/ 10160 h 1061720"/>
+                <a:gd name="connsiteX5" fmla="*/ 2565400 w 2565400"/>
+                <a:gd name="connsiteY5" fmla="*/ 10160 h 1061720"/>
+              </a:gdLst>
+              <a:ahLst/>
+              <a:cxnLst>
+                <a:cxn ang="0">
+                  <a:pos x="connsiteX0" y="connsiteY0"/>
+                </a:cxn>
+                <a:cxn ang="0">
+                  <a:pos x="connsiteX1" y="connsiteY1"/>
+                </a:cxn>
+                <a:cxn ang="0">
+                  <a:pos x="connsiteX2" y="connsiteY2"/>
+                </a:cxn>
+                <a:cxn ang="0">
+                  <a:pos x="connsiteX3" y="connsiteY3"/>
+                </a:cxn>
+                <a:cxn ang="0">
+                  <a:pos x="connsiteX4" y="connsiteY4"/>
+                </a:cxn>
+                <a:cxn ang="0">
+                  <a:pos x="connsiteX5" y="connsiteY5"/>
+                </a:cxn>
+              </a:cxnLst>
+              <a:rect l="l" t="t" r="r" b="b"/>
+              <a:pathLst>
+                <a:path w="2565400" h="1061720">
+                  <a:moveTo>
+                    <a:pt x="0" y="0"/>
+                  </a:moveTo>
+                  <a:lnTo>
+                    <a:pt x="523240" y="0"/>
+                  </a:lnTo>
+                  <a:lnTo>
+                    <a:pt x="523240" y="1061720"/>
+                  </a:lnTo>
+                  <a:lnTo>
+                    <a:pt x="2006600" y="1061720"/>
+                  </a:lnTo>
+                  <a:lnTo>
+                    <a:pt x="2006600" y="10160"/>
+                  </a:lnTo>
+                  <a:lnTo>
+                    <a:pt x="2565400" y="10160"/>
+                  </a:lnTo>
+                </a:path>
+              </a:pathLst>
+            </a:custGeom>
+            <a:noFill/>
+            <a:ln w="22225" cmpd="sng">
+              <a:solidFill>
+                <a:schemeClr val="accent1">
+                  <a:lumMod val="50000"/>
+                </a:schemeClr>
+              </a:solidFill>
+              <a:prstDash val="sysDash"/>
+              <a:tailEnd type="triangle" w="lg" len="lg"/>
+            </a:ln>
+            <a:effectLst/>
+            <a:scene3d>
+              <a:camera prst="orthographicFront">
+                <a:rot lat="0" lon="0" rev="0"/>
+              </a:camera>
+              <a:lightRig rig="threePt" dir="t">
+                <a:rot lat="0" lon="0" rev="1200000"/>
+              </a:lightRig>
+            </a:scene3d>
+            <a:sp3d/>
+          </p:spPr>
+          <p:style>
+            <a:lnRef idx="0">
+              <a:schemeClr val="accent1"/>
+            </a:lnRef>
+            <a:fillRef idx="3">
+              <a:schemeClr val="accent1"/>
+            </a:fillRef>
+            <a:effectRef idx="3">
+              <a:schemeClr val="accent1"/>
+            </a:effectRef>
+            <a:fontRef idx="minor">
+              <a:schemeClr val="lt1"/>
+            </a:fontRef>
+          </p:style>
+          <p:txBody>
+            <a:bodyPr rtlCol="0" anchor="ctr"/>
+            <a:lstStyle/>
+            <a:p>
+              <a:pPr algn="ctr"/>
+              <a:endParaRPr lang="en-US"/>
+            </a:p>
+          </p:txBody>
+        </p:sp>
+        <p:sp>
+          <p:nvSpPr>
+            <p:cNvPr id="28" name="Freeform 27"/>
+            <p:cNvSpPr/>
+            <p:nvPr/>
+          </p:nvSpPr>
+          <p:spPr>
+            <a:xfrm>
+              <a:off x="3661089" y="3616960"/>
+              <a:ext cx="2588845" cy="1249680"/>
+            </a:xfrm>
+            <a:custGeom>
+              <a:avLst/>
+              <a:gdLst>
+                <a:gd name="connsiteX0" fmla="*/ 2550160 w 2550160"/>
+                <a:gd name="connsiteY0" fmla="*/ 0 h 1193800"/>
+                <a:gd name="connsiteX1" fmla="*/ 1935480 w 2550160"/>
+                <a:gd name="connsiteY1" fmla="*/ 0 h 1193800"/>
+                <a:gd name="connsiteX2" fmla="*/ 1935480 w 2550160"/>
+                <a:gd name="connsiteY2" fmla="*/ 1193800 h 1193800"/>
+                <a:gd name="connsiteX3" fmla="*/ 629920 w 2550160"/>
+                <a:gd name="connsiteY3" fmla="*/ 1193800 h 1193800"/>
+                <a:gd name="connsiteX4" fmla="*/ 629920 w 2550160"/>
+                <a:gd name="connsiteY4" fmla="*/ 10160 h 1193800"/>
+                <a:gd name="connsiteX5" fmla="*/ 0 w 2550160"/>
+                <a:gd name="connsiteY5" fmla="*/ 10160 h 1193800"/>
+              </a:gdLst>
+              <a:ahLst/>
+              <a:cxnLst>
+                <a:cxn ang="0">
+                  <a:pos x="connsiteX0" y="connsiteY0"/>
+                </a:cxn>
+                <a:cxn ang="0">
+                  <a:pos x="connsiteX1" y="connsiteY1"/>
+                </a:cxn>
+                <a:cxn ang="0">
+                  <a:pos x="connsiteX2" y="connsiteY2"/>
+                </a:cxn>
+                <a:cxn ang="0">
+                  <a:pos x="connsiteX3" y="connsiteY3"/>
+                </a:cxn>
+                <a:cxn ang="0">
+                  <a:pos x="connsiteX4" y="connsiteY4"/>
+                </a:cxn>
+                <a:cxn ang="0">
+                  <a:pos x="connsiteX5" y="connsiteY5"/>
+                </a:cxn>
+              </a:cxnLst>
+              <a:rect l="l" t="t" r="r" b="b"/>
+              <a:pathLst>
+                <a:path w="2550160" h="1193800">
+                  <a:moveTo>
+                    <a:pt x="2550160" y="0"/>
+                  </a:moveTo>
+                  <a:lnTo>
+                    <a:pt x="1935480" y="0"/>
+                  </a:lnTo>
+                  <a:lnTo>
+                    <a:pt x="1935480" y="1193800"/>
+                  </a:lnTo>
+                  <a:lnTo>
+                    <a:pt x="629920" y="1193800"/>
+                  </a:lnTo>
+                  <a:lnTo>
+                    <a:pt x="629920" y="10160"/>
+                  </a:lnTo>
+                  <a:lnTo>
+                    <a:pt x="0" y="10160"/>
+                  </a:lnTo>
+                </a:path>
+              </a:pathLst>
+            </a:custGeom>
+            <a:noFill/>
+            <a:ln w="22225">
+              <a:solidFill>
+                <a:schemeClr val="accent2">
+                  <a:lumMod val="50000"/>
+                </a:schemeClr>
+              </a:solidFill>
+              <a:prstDash val="sysDash"/>
+              <a:headEnd type="none"/>
+              <a:tailEnd type="triangle" w="lg" len="lg"/>
+            </a:ln>
+            <a:effectLst/>
+            <a:scene3d>
+              <a:camera prst="orthographicFront">
+                <a:rot lat="0" lon="0" rev="0"/>
+              </a:camera>
+              <a:lightRig rig="threePt" dir="t">
+                <a:rot lat="0" lon="0" rev="1200000"/>
+              </a:lightRig>
+            </a:scene3d>
+            <a:sp3d/>
+          </p:spPr>
+          <p:style>
+            <a:lnRef idx="0">
+              <a:schemeClr val="accent1"/>
+            </a:lnRef>
+            <a:fillRef idx="3">
+              <a:schemeClr val="accent1"/>
+            </a:fillRef>
+            <a:effectRef idx="3">
+              <a:schemeClr val="accent1"/>
+            </a:effectRef>
+            <a:fontRef idx="minor">
+              <a:schemeClr val="lt1"/>
+            </a:fontRef>
+          </p:style>
+          <p:txBody>
+            <a:bodyPr rtlCol="0" anchor="ctr"/>
+            <a:lstStyle/>
+            <a:p>
+              <a:pPr algn="ctr"/>
+              <a:endParaRPr lang="en-US"/>
+            </a:p>
+          </p:txBody>
+        </p:sp>
+        <p:sp>
+          <p:nvSpPr>
+            <p:cNvPr id="29" name="Up-Down Arrow 28"/>
+            <p:cNvSpPr/>
+            <p:nvPr/>
+          </p:nvSpPr>
+          <p:spPr>
+            <a:xfrm>
+              <a:off x="4857832" y="4028377"/>
+              <a:ext cx="243840" cy="663784"/>
+            </a:xfrm>
+            <a:prstGeom prst="upDownArrow">
+              <a:avLst/>
+            </a:prstGeom>
+            <a:solidFill>
+              <a:schemeClr val="bg1">
+                <a:lumMod val="75000"/>
+              </a:schemeClr>
+            </a:solidFill>
+            <a:ln>
+              <a:noFill/>
+            </a:ln>
+            <a:effectLst/>
+            <a:scene3d>
+              <a:camera prst="orthographicFront">
+                <a:rot lat="0" lon="0" rev="0"/>
+              </a:camera>
+              <a:lightRig rig="threePt" dir="t">
+                <a:rot lat="0" lon="0" rev="1200000"/>
+              </a:lightRig>
+            </a:scene3d>
+            <a:sp3d/>
+          </p:spPr>
+          <p:style>
+            <a:lnRef idx="0">
+              <a:schemeClr val="accent1"/>
+            </a:lnRef>
+            <a:fillRef idx="3">
+              <a:schemeClr val="accent1"/>
+            </a:fillRef>
+            <a:effectRef idx="3">
+              <a:schemeClr val="accent1"/>
+            </a:effectRef>
+            <a:fontRef idx="minor">
+              <a:schemeClr val="lt1"/>
+            </a:fontRef>
+          </p:style>
+          <p:txBody>
+            <a:bodyPr rot="0" spcFirstLastPara="0" vertOverflow="overflow" horzOverflow="overflow" vert="horz" wrap="square" lIns="45720" tIns="45720" rIns="45720" bIns="45720" numCol="1" spcCol="0" rtlCol="0" fromWordArt="0" anchor="ctr" anchorCtr="0" forceAA="0" compatLnSpc="1">
+              <a:prstTxWarp prst="textNoShape">
+                <a:avLst/>
+              </a:prstTxWarp>
+              <a:noAutofit/>
+            </a:bodyPr>
+            <a:lstStyle/>
+            <a:p>
+              <a:pPr algn="ctr">
+                <a:lnSpc>
+                  <a:spcPct val="90000"/>
+                </a:lnSpc>
+              </a:pPr>
+              <a:endParaRPr lang="en-US" dirty="0" smtClean="0">
+                <a:solidFill>
+                  <a:schemeClr val="tx1"/>
+                </a:solidFill>
+              </a:endParaRPr>
+            </a:p>
+          </p:txBody>
+        </p:sp>
+        <p:sp>
+          <p:nvSpPr>
+            <p:cNvPr id="25" name="TextBox 24"/>
+            <p:cNvSpPr txBox="1"/>
+            <p:nvPr/>
+          </p:nvSpPr>
+          <p:spPr>
+            <a:xfrm>
+              <a:off x="4588592" y="4231003"/>
+              <a:ext cx="782320" cy="258532"/>
+            </a:xfrm>
+            <a:prstGeom prst="rect">
+              <a:avLst/>
+            </a:prstGeom>
+            <a:noFill/>
+          </p:spPr>
+          <p:txBody>
+            <a:bodyPr wrap="square" rtlCol="0">
+              <a:spAutoFit/>
+            </a:bodyPr>
+            <a:lstStyle/>
+            <a:p>
+              <a:pPr algn="ctr">
+                <a:lnSpc>
+                  <a:spcPct val="90000"/>
+                </a:lnSpc>
+              </a:pPr>
+              <a:r>
+                <a:rPr lang="en-US" sz="1200" b="1" i="1" dirty="0" smtClean="0"/>
+                <a:t>Kafka</a:t>
+              </a:r>
+              <a:endParaRPr lang="en-US" sz="1200" b="1" i="1" dirty="0" smtClean="0"/>
+            </a:p>
+          </p:txBody>
+        </p:sp>
+        <p:sp>
+          <p:nvSpPr>
+            <p:cNvPr id="30" name="TextBox 29"/>
+            <p:cNvSpPr txBox="1"/>
+            <p:nvPr/>
+          </p:nvSpPr>
+          <p:spPr>
+            <a:xfrm>
+              <a:off x="4381019" y="4797597"/>
+              <a:ext cx="705413" cy="138499"/>
+            </a:xfrm>
+            <a:prstGeom prst="rect">
+              <a:avLst/>
+            </a:prstGeom>
+            <a:solidFill>
+              <a:srgbClr val="C3E394"/>
+            </a:solidFill>
+          </p:spPr>
+          <p:txBody>
+            <a:bodyPr wrap="square" lIns="0" tIns="0" rIns="0" bIns="0" rtlCol="0">
+              <a:spAutoFit/>
+            </a:bodyPr>
+            <a:lstStyle/>
+            <a:p>
+              <a:pPr algn="ctr">
+                <a:lnSpc>
+                  <a:spcPct val="90000"/>
+                </a:lnSpc>
+              </a:pPr>
+              <a:r>
+                <a:rPr lang="en-US" sz="1000" b="1" i="1" smtClean="0">
+                  <a:solidFill>
+                    <a:schemeClr val="accent2">
+                      <a:lumMod val="50000"/>
+                    </a:schemeClr>
+                  </a:solidFill>
+                </a:rPr>
+                <a:t>Encoding</a:t>
+              </a:r>
+              <a:endParaRPr lang="en-US" sz="1000" b="1" i="1" dirty="0" smtClean="0">
+                <a:solidFill>
+                  <a:schemeClr val="accent2">
+                    <a:lumMod val="50000"/>
+                  </a:schemeClr>
+                </a:solidFill>
+              </a:endParaRPr>
+            </a:p>
+          </p:txBody>
+        </p:sp>
+        <p:sp>
+          <p:nvSpPr>
+            <p:cNvPr id="31" name="TextBox 30"/>
+            <p:cNvSpPr txBox="1"/>
+            <p:nvPr/>
+          </p:nvSpPr>
+          <p:spPr>
+            <a:xfrm>
+              <a:off x="5000072" y="4965525"/>
+              <a:ext cx="656401" cy="138499"/>
+            </a:xfrm>
+            <a:prstGeom prst="rect">
+              <a:avLst/>
+            </a:prstGeom>
+            <a:solidFill>
+              <a:srgbClr val="C3E394"/>
+            </a:solidFill>
+          </p:spPr>
+          <p:txBody>
+            <a:bodyPr wrap="square" lIns="0" tIns="0" rIns="0" bIns="0" rtlCol="0">
+              <a:spAutoFit/>
+            </a:bodyPr>
+            <a:lstStyle/>
+            <a:p>
+              <a:pPr algn="ctr">
+                <a:lnSpc>
+                  <a:spcPct val="90000"/>
+                </a:lnSpc>
+              </a:pPr>
+              <a:r>
+                <a:rPr lang="en-US" sz="1000" b="1" i="1" dirty="0" smtClean="0">
+                  <a:solidFill>
+                    <a:schemeClr val="accent1">
+                      <a:lumMod val="50000"/>
+                    </a:schemeClr>
+                  </a:solidFill>
+                </a:rPr>
+                <a:t>Decoding</a:t>
+              </a:r>
+              <a:endParaRPr lang="en-US" sz="1000" b="1" i="1" dirty="0" smtClean="0">
+                <a:solidFill>
+                  <a:schemeClr val="accent1">
+                    <a:lumMod val="50000"/>
+                  </a:schemeClr>
+                </a:solidFill>
+              </a:endParaRPr>
+            </a:p>
+          </p:txBody>
+        </p:sp>
+        <p:sp>
+          <p:nvSpPr>
+            <p:cNvPr id="32" name="TextBox 31"/>
+            <p:cNvSpPr txBox="1"/>
+            <p:nvPr/>
+          </p:nvSpPr>
+          <p:spPr>
+            <a:xfrm>
+              <a:off x="2752101" y="3096057"/>
+              <a:ext cx="705413" cy="138499"/>
+            </a:xfrm>
+            <a:prstGeom prst="rect">
+              <a:avLst/>
+            </a:prstGeom>
+            <a:noFill/>
+          </p:spPr>
+          <p:txBody>
+            <a:bodyPr wrap="square" lIns="0" tIns="0" rIns="0" bIns="0" rtlCol="0">
+              <a:spAutoFit/>
+            </a:bodyPr>
+            <a:lstStyle/>
+            <a:p>
+              <a:pPr algn="ctr">
+                <a:lnSpc>
+                  <a:spcPct val="90000"/>
+                </a:lnSpc>
+              </a:pPr>
+              <a:r>
+                <a:rPr lang="en-US" sz="1000" b="1" i="1" smtClean="0"/>
+                <a:t>ASN.1</a:t>
+              </a:r>
+              <a:endParaRPr lang="en-US" sz="1000" b="1" i="1" dirty="0" smtClean="0"/>
+            </a:p>
+          </p:txBody>
+        </p:sp>
+        <p:sp>
+          <p:nvSpPr>
+            <p:cNvPr id="33" name="TextBox 32"/>
+            <p:cNvSpPr txBox="1"/>
+            <p:nvPr/>
+          </p:nvSpPr>
+          <p:spPr>
+            <a:xfrm>
+              <a:off x="6786984" y="4153115"/>
+              <a:ext cx="705413" cy="276999"/>
+            </a:xfrm>
+            <a:prstGeom prst="rect">
+              <a:avLst/>
+            </a:prstGeom>
+            <a:noFill/>
+          </p:spPr>
+          <p:txBody>
+            <a:bodyPr wrap="square" lIns="0" tIns="0" rIns="0" bIns="0" rtlCol="0">
+              <a:spAutoFit/>
+            </a:bodyPr>
+            <a:lstStyle/>
+            <a:p>
+              <a:pPr algn="ctr">
+                <a:lnSpc>
+                  <a:spcPct val="90000"/>
+                </a:lnSpc>
+              </a:pPr>
+              <a:r>
+                <a:rPr lang="en-US" sz="1000" b="1" i="1" smtClean="0"/>
+                <a:t>Human</a:t>
+              </a:r>
+              <a:br>
+                <a:rPr lang="en-US" sz="1000" b="1" i="1" smtClean="0"/>
+              </a:br>
+              <a:r>
+                <a:rPr lang="en-US" sz="1000" b="1" i="1" smtClean="0"/>
+                <a:t>Readable</a:t>
+              </a:r>
+              <a:endParaRPr lang="en-US" sz="1000" b="1" i="1" dirty="0" smtClean="0"/>
+            </a:p>
+          </p:txBody>
+        </p:sp>
+      </p:grpSp>
+    </p:spTree>
+    <p:extLst>
+      <p:ext uri="{BB962C8B-B14F-4D97-AF65-F5344CB8AC3E}">
+        <p14:creationId xmlns:p14="http://schemas.microsoft.com/office/powerpoint/2010/main" val="1481587529"/>
+      </p:ext>
+    </p:extLst>
+  </p:cSld>
+  <p:clrMapOvr>
+    <a:masterClrMapping/>
+  </p:clrMapOvr>
+</p:sld>
+</file>
+
+<file path=ppt/slides/slide5.xml><?xml version="1.0" encoding="utf-8"?>
+<p:sld xmlns:a="http://schemas.openxmlformats.org/drawingml/2006/main" xmlns:r="http://schemas.openxmlformats.org/officeDocument/2006/relationships" xmlns:p="http://schemas.openxmlformats.org/presentationml/2006/main">
+  <p:cSld>
+    <p:spTree>
+      <p:nvGrpSpPr>
+        <p:cNvPr id="1" name=""/>
+        <p:cNvGrpSpPr/>
+        <p:nvPr/>
+      </p:nvGrpSpPr>
+      <p:grpSpPr>
+        <a:xfrm>
+          <a:off x="0" y="0"/>
+          <a:ext cx="0" cy="0"/>
+          <a:chOff x="0" y="0"/>
+          <a:chExt cx="0" cy="0"/>
+        </a:xfrm>
+      </p:grpSpPr>
+      <p:sp>
+        <p:nvSpPr>
           <p:cNvPr id="7" name="Title 6"/>
           <p:cNvSpPr>
             <a:spLocks noGrp="1"/>
@@ -7085,11 +8976,7 @@
             </a:pPr>
             <a:r>
               <a:rPr lang="en-US" sz="1600" dirty="0"/>
-              <a:t>Bad: More in-depth coupling with open source ASN.1 compiler - generator code</a:t>
-            </a:r>
-            <a:r>
-              <a:rPr lang="en-US" sz="1600" dirty="0"/>
-              <a:t>.</a:t>
+              <a:t>Bad: More in-depth coupling with open source ASN.1 compiler - generator code.</a:t>
             </a:r>
           </a:p>
           <a:p>
@@ -7128,7 +9015,7 @@
 </p:sld>
 </file>
 
-<file path=ppt/slides/slide4.xml><?xml version="1.0" encoding="utf-8"?>
+<file path=ppt/slides/slide6.xml><?xml version="1.0" encoding="utf-8"?>
 <p:sld xmlns:a="http://schemas.openxmlformats.org/drawingml/2006/main" xmlns:r="http://schemas.openxmlformats.org/officeDocument/2006/relationships" xmlns:p="http://schemas.openxmlformats.org/presentationml/2006/main">
   <p:cSld>
     <p:spTree>
@@ -7825,15 +9712,6 @@
 </file>
 
 <file path=customXml/item1.xml><?xml version="1.0" encoding="utf-8"?>
-<?mso-contentType ?>
-<FormTemplates xmlns="http://schemas.microsoft.com/sharepoint/v3/contenttype/forms">
-  <Display>DocumentLibraryForm</Display>
-  <Edit>DocumentLibraryForm</Edit>
-  <New>DocumentLibraryForm</New>
-</FormTemplates>
-</file>
-
-<file path=customXml/item2.xml><?xml version="1.0" encoding="utf-8"?>
 <ct:contentTypeSchema xmlns:ct="http://schemas.microsoft.com/office/2006/metadata/contentType" xmlns:ma="http://schemas.microsoft.com/office/2006/metadata/properties/metaAttributes" ct:_="" ma:_="" ma:contentTypeName="Document" ma:contentTypeID="0x0101003975B17BC858B94FAA5409F11FF9B884" ma:contentTypeVersion="0" ma:contentTypeDescription="Create a new document." ma:contentTypeScope="" ma:versionID="ba30602e445ba7bd833ef2f532e4a594">
   <xsd:schema xmlns:xsd="http://www.w3.org/2001/XMLSchema" xmlns:xs="http://www.w3.org/2001/XMLSchema" xmlns:p="http://schemas.microsoft.com/office/2006/metadata/properties" targetNamespace="http://schemas.microsoft.com/office/2006/metadata/properties" ma:root="true" ma:fieldsID="c64490b4aec6201516c3a874156f37b2">
     <xsd:element name="properties">
@@ -7947,21 +9825,22 @@
 </ct:contentTypeSchema>
 </file>
 
-<file path=customXml/item3.xml><?xml version="1.0" encoding="utf-8"?>
+<file path=customXml/item2.xml><?xml version="1.0" encoding="utf-8"?>
 <p:properties xmlns:p="http://schemas.microsoft.com/office/2006/metadata/properties" xmlns:xsi="http://www.w3.org/2001/XMLSchema-instance" xmlns:pc="http://schemas.microsoft.com/office/infopath/2007/PartnerControls">
   <documentManagement/>
 </p:properties>
 </file>
 
-<file path=customXml/itemProps1.xml><?xml version="1.0" encoding="utf-8"?>
-<ds:datastoreItem xmlns:ds="http://schemas.openxmlformats.org/officeDocument/2006/customXml" ds:itemID="{B08F7293-55C5-495D-8310-E2405A6C8D74}">
-  <ds:schemaRefs>
-    <ds:schemaRef ds:uri="http://schemas.microsoft.com/sharepoint/v3/contenttype/forms"/>
-  </ds:schemaRefs>
-</ds:datastoreItem>
+<file path=customXml/item3.xml><?xml version="1.0" encoding="utf-8"?>
+<?mso-contentType ?>
+<FormTemplates xmlns="http://schemas.microsoft.com/sharepoint/v3/contenttype/forms">
+  <Display>DocumentLibraryForm</Display>
+  <Edit>DocumentLibraryForm</Edit>
+  <New>DocumentLibraryForm</New>
+</FormTemplates>
 </file>
 
-<file path=customXml/itemProps2.xml><?xml version="1.0" encoding="utf-8"?>
+<file path=customXml/itemProps1.xml><?xml version="1.0" encoding="utf-8"?>
 <ds:datastoreItem xmlns:ds="http://schemas.openxmlformats.org/officeDocument/2006/customXml" ds:itemID="{72E77B73-CC8B-4B83-8D05-315263FA3FB3}">
   <ds:schemaRefs>
     <ds:schemaRef ds:uri="http://schemas.microsoft.com/office/2006/metadata/contentType"/>
@@ -7977,11 +9856,19 @@
 </ds:datastoreItem>
 </file>
 
-<file path=customXml/itemProps3.xml><?xml version="1.0" encoding="utf-8"?>
+<file path=customXml/itemProps2.xml><?xml version="1.0" encoding="utf-8"?>
 <ds:datastoreItem xmlns:ds="http://schemas.openxmlformats.org/officeDocument/2006/customXml" ds:itemID="{DADCCB12-0940-4923-97F5-47BC8975F92E}">
   <ds:schemaRefs>
     <ds:schemaRef ds:uri="http://schemas.microsoft.com/office/2006/metadata/properties"/>
     <ds:schemaRef ds:uri="http://schemas.microsoft.com/office/infopath/2007/PartnerControls"/>
   </ds:schemaRefs>
 </ds:datastoreItem>
+</file>
+
+<file path=customXml/itemProps3.xml><?xml version="1.0" encoding="utf-8"?>
+<ds:datastoreItem xmlns:ds="http://schemas.openxmlformats.org/officeDocument/2006/customXml" ds:itemID="{B08F7293-55C5-495D-8310-E2405A6C8D74}">
+  <ds:schemaRefs>
+    <ds:schemaRef ds:uri="http://schemas.microsoft.com/sharepoint/v3/contenttype/forms"/>
+  </ds:schemaRefs>
+</ds:datastoreItem>
 </file>